--- a/GAN_of_FPGA.pptx
+++ b/GAN_of_FPGA.pptx
@@ -592,7 +592,7 @@
           <a:p>
             <a:fld id="{1D8BD707-D9CF-40AE-B4C6-C98DA3205C09}" type="datetimeFigureOut">
               <a:rPr lang="en-US" smtClean="0"/>
-              <a:t>3/2/2023</a:t>
+              <a:t>3/3/2023</a:t>
             </a:fld>
             <a:endParaRPr lang="en-US"/>
           </a:p>
@@ -934,7 +934,7 @@
           <a:p>
             <a:fld id="{1D8BD707-D9CF-40AE-B4C6-C98DA3205C09}" type="datetimeFigureOut">
               <a:rPr lang="en-US" smtClean="0"/>
-              <a:t>3/2/2023</a:t>
+              <a:t>3/3/2023</a:t>
             </a:fld>
             <a:endParaRPr lang="en-US"/>
           </a:p>
@@ -1140,7 +1140,7 @@
           <a:p>
             <a:fld id="{1D8BD707-D9CF-40AE-B4C6-C98DA3205C09}" type="datetimeFigureOut">
               <a:rPr lang="en-US" smtClean="0"/>
-              <a:t>3/2/2023</a:t>
+              <a:t>3/3/2023</a:t>
             </a:fld>
             <a:endParaRPr lang="en-US"/>
           </a:p>
@@ -1420,7 +1420,7 @@
           <a:p>
             <a:fld id="{1D8BD707-D9CF-40AE-B4C6-C98DA3205C09}" type="datetimeFigureOut">
               <a:rPr lang="en-US" smtClean="0"/>
-              <a:t>3/2/2023</a:t>
+              <a:t>3/3/2023</a:t>
             </a:fld>
             <a:endParaRPr lang="en-US"/>
           </a:p>
@@ -1858,7 +1858,7 @@
           <a:p>
             <a:fld id="{1D8BD707-D9CF-40AE-B4C6-C98DA3205C09}" type="datetimeFigureOut">
               <a:rPr lang="en-US" smtClean="0"/>
-              <a:t>3/2/2023</a:t>
+              <a:t>3/3/2023</a:t>
             </a:fld>
             <a:endParaRPr lang="en-US"/>
           </a:p>
@@ -2418,7 +2418,7 @@
           <a:p>
             <a:fld id="{1D8BD707-D9CF-40AE-B4C6-C98DA3205C09}" type="datetimeFigureOut">
               <a:rPr lang="en-US" smtClean="0"/>
-              <a:t>3/2/2023</a:t>
+              <a:t>3/3/2023</a:t>
             </a:fld>
             <a:endParaRPr lang="en-US"/>
           </a:p>
@@ -3218,7 +3218,7 @@
           <a:p>
             <a:fld id="{1D8BD707-D9CF-40AE-B4C6-C98DA3205C09}" type="datetimeFigureOut">
               <a:rPr lang="en-US" smtClean="0"/>
-              <a:t>3/2/2023</a:t>
+              <a:t>3/3/2023</a:t>
             </a:fld>
             <a:endParaRPr lang="en-US"/>
           </a:p>
@@ -3407,7 +3407,7 @@
           <a:p>
             <a:fld id="{1D8BD707-D9CF-40AE-B4C6-C98DA3205C09}" type="datetimeFigureOut">
               <a:rPr lang="en-US" smtClean="0"/>
-              <a:t>3/2/2023</a:t>
+              <a:t>3/3/2023</a:t>
             </a:fld>
             <a:endParaRPr lang="en-US"/>
           </a:p>
@@ -3601,7 +3601,7 @@
           <a:p>
             <a:fld id="{1D8BD707-D9CF-40AE-B4C6-C98DA3205C09}" type="datetimeFigureOut">
               <a:rPr lang="en-US" smtClean="0"/>
-              <a:t>3/2/2023</a:t>
+              <a:t>3/3/2023</a:t>
             </a:fld>
             <a:endParaRPr lang="en-US"/>
           </a:p>
@@ -3786,7 +3786,7 @@
           <a:p>
             <a:fld id="{1D8BD707-D9CF-40AE-B4C6-C98DA3205C09}" type="datetimeFigureOut">
               <a:rPr lang="en-US" smtClean="0"/>
-              <a:t>3/2/2023</a:t>
+              <a:t>3/3/2023</a:t>
             </a:fld>
             <a:endParaRPr lang="en-US"/>
           </a:p>
@@ -4046,7 +4046,7 @@
           <a:p>
             <a:fld id="{1D8BD707-D9CF-40AE-B4C6-C98DA3205C09}" type="datetimeFigureOut">
               <a:rPr lang="en-US" smtClean="0"/>
-              <a:t>3/2/2023</a:t>
+              <a:t>3/3/2023</a:t>
             </a:fld>
             <a:endParaRPr lang="en-US"/>
           </a:p>
@@ -4293,7 +4293,7 @@
           <a:p>
             <a:fld id="{1D8BD707-D9CF-40AE-B4C6-C98DA3205C09}" type="datetimeFigureOut">
               <a:rPr lang="en-US" smtClean="0"/>
-              <a:t>3/2/2023</a:t>
+              <a:t>3/3/2023</a:t>
             </a:fld>
             <a:endParaRPr lang="en-US"/>
           </a:p>
@@ -4688,7 +4688,7 @@
           <a:p>
             <a:fld id="{1D8BD707-D9CF-40AE-B4C6-C98DA3205C09}" type="datetimeFigureOut">
               <a:rPr lang="en-US" smtClean="0"/>
-              <a:t>3/2/2023</a:t>
+              <a:t>3/3/2023</a:t>
             </a:fld>
             <a:endParaRPr lang="en-US"/>
           </a:p>
@@ -4816,7 +4816,7 @@
           <a:p>
             <a:fld id="{1D8BD707-D9CF-40AE-B4C6-C98DA3205C09}" type="datetimeFigureOut">
               <a:rPr lang="en-US" smtClean="0"/>
-              <a:t>3/2/2023</a:t>
+              <a:t>3/3/2023</a:t>
             </a:fld>
             <a:endParaRPr lang="en-US"/>
           </a:p>
@@ -4921,7 +4921,7 @@
           <a:p>
             <a:fld id="{1D8BD707-D9CF-40AE-B4C6-C98DA3205C09}" type="datetimeFigureOut">
               <a:rPr lang="en-US" smtClean="0"/>
-              <a:t>3/2/2023</a:t>
+              <a:t>3/3/2023</a:t>
             </a:fld>
             <a:endParaRPr lang="en-US"/>
           </a:p>
@@ -5184,7 +5184,7 @@
           <a:p>
             <a:fld id="{1D8BD707-D9CF-40AE-B4C6-C98DA3205C09}" type="datetimeFigureOut">
               <a:rPr lang="en-US" smtClean="0"/>
-              <a:t>3/2/2023</a:t>
+              <a:t>3/3/2023</a:t>
             </a:fld>
             <a:endParaRPr lang="en-US"/>
           </a:p>
@@ -5463,7 +5463,7 @@
           <a:p>
             <a:fld id="{1D8BD707-D9CF-40AE-B4C6-C98DA3205C09}" type="datetimeFigureOut">
               <a:rPr lang="en-US" smtClean="0"/>
-              <a:t>3/2/2023</a:t>
+              <a:t>3/3/2023</a:t>
             </a:fld>
             <a:endParaRPr lang="en-US"/>
           </a:p>
@@ -5876,7 +5876,7 @@
           <a:p>
             <a:fld id="{1D8BD707-D9CF-40AE-B4C6-C98DA3205C09}" type="datetimeFigureOut">
               <a:rPr lang="en-US" smtClean="0"/>
-              <a:t>3/2/2023</a:t>
+              <a:t>3/3/2023</a:t>
             </a:fld>
             <a:endParaRPr lang="en-US"/>
           </a:p>
@@ -12949,14 +12949,17 @@
           <a:p>
             <a:r>
               <a:rPr lang="en-US" sz="4000" dirty="0"/>
+              <a:t>model complexity has to be tuned appropriately</a:t>
+            </a:r>
+          </a:p>
+          <a:p>
+            <a:r>
+              <a:rPr lang="en-US" sz="4000" dirty="0"/>
               <a:t>Some embedded devices have programmable fabric</a:t>
             </a:r>
           </a:p>
           <a:p>
-            <a:r>
-              <a:rPr lang="en-US" sz="4000" dirty="0"/>
-              <a:t> model complexity has to be tuned appropriately</a:t>
-            </a:r>
+            <a:endParaRPr lang="en-US" sz="4000" dirty="0"/>
           </a:p>
         </p:txBody>
       </p:sp>
@@ -13278,7 +13281,7 @@
         </p:nvSpPr>
         <p:spPr>
           <a:xfrm>
-            <a:off x="8678463" y="5864420"/>
+            <a:off x="8678463" y="5494614"/>
             <a:ext cx="9540240" cy="307777"/>
           </a:xfrm>
           <a:prstGeom prst="rect">
@@ -13384,7 +13387,7 @@
                             </p:stCondLst>
                             <p:childTnLst>
                               <p:par>
-                                <p:cTn id="10" presetID="2" presetClass="entr" presetSubtype="4" fill="hold" grpId="0" nodeType="clickEffect">
+                                <p:cTn id="10" presetID="10" presetClass="entr" presetSubtype="0" fill="hold" grpId="0" nodeType="clickEffect">
                                   <p:stCondLst>
                                     <p:cond delay="0"/>
                                   </p:stCondLst>
@@ -13392,97 +13395,6 @@
                                     <p:set>
                                       <p:cBhvr>
                                         <p:cTn id="11" dur="1" fill="hold">
-                                          <p:stCondLst>
-                                            <p:cond delay="0"/>
-                                          </p:stCondLst>
-                                        </p:cTn>
-                                        <p:tgtEl>
-                                          <p:spTgt spid="12"/>
-                                        </p:tgtEl>
-                                        <p:attrNameLst>
-                                          <p:attrName>style.visibility</p:attrName>
-                                        </p:attrNameLst>
-                                      </p:cBhvr>
-                                      <p:to>
-                                        <p:strVal val="visible"/>
-                                      </p:to>
-                                    </p:set>
-                                    <p:anim calcmode="lin" valueType="num">
-                                      <p:cBhvr additive="base">
-                                        <p:cTn id="12" dur="500" fill="hold"/>
-                                        <p:tgtEl>
-                                          <p:spTgt spid="12"/>
-                                        </p:tgtEl>
-                                        <p:attrNameLst>
-                                          <p:attrName>ppt_x</p:attrName>
-                                        </p:attrNameLst>
-                                      </p:cBhvr>
-                                      <p:tavLst>
-                                        <p:tav tm="0">
-                                          <p:val>
-                                            <p:strVal val="#ppt_x"/>
-                                          </p:val>
-                                        </p:tav>
-                                        <p:tav tm="100000">
-                                          <p:val>
-                                            <p:strVal val="#ppt_x"/>
-                                          </p:val>
-                                        </p:tav>
-                                      </p:tavLst>
-                                    </p:anim>
-                                    <p:anim calcmode="lin" valueType="num">
-                                      <p:cBhvr additive="base">
-                                        <p:cTn id="13" dur="500" fill="hold"/>
-                                        <p:tgtEl>
-                                          <p:spTgt spid="12"/>
-                                        </p:tgtEl>
-                                        <p:attrNameLst>
-                                          <p:attrName>ppt_y</p:attrName>
-                                        </p:attrNameLst>
-                                      </p:cBhvr>
-                                      <p:tavLst>
-                                        <p:tav tm="0">
-                                          <p:val>
-                                            <p:strVal val="1+#ppt_h/2"/>
-                                          </p:val>
-                                        </p:tav>
-                                        <p:tav tm="100000">
-                                          <p:val>
-                                            <p:strVal val="#ppt_y"/>
-                                          </p:val>
-                                        </p:tav>
-                                      </p:tavLst>
-                                    </p:anim>
-                                  </p:childTnLst>
-                                </p:cTn>
-                              </p:par>
-                            </p:childTnLst>
-                          </p:cTn>
-                        </p:par>
-                      </p:childTnLst>
-                    </p:cTn>
-                  </p:par>
-                  <p:par>
-                    <p:cTn id="14" fill="hold">
-                      <p:stCondLst>
-                        <p:cond delay="indefinite"/>
-                      </p:stCondLst>
-                      <p:childTnLst>
-                        <p:par>
-                          <p:cTn id="15" fill="hold">
-                            <p:stCondLst>
-                              <p:cond delay="0"/>
-                            </p:stCondLst>
-                            <p:childTnLst>
-                              <p:par>
-                                <p:cTn id="16" presetID="10" presetClass="entr" presetSubtype="0" fill="hold" grpId="0" nodeType="clickEffect">
-                                  <p:stCondLst>
-                                    <p:cond delay="0"/>
-                                  </p:stCondLst>
-                                  <p:childTnLst>
-                                    <p:set>
-                                      <p:cBhvr>
-                                        <p:cTn id="17" dur="1" fill="hold">
                                           <p:stCondLst>
                                             <p:cond delay="0"/>
                                           </p:stCondLst>
@@ -13504,7 +13416,7 @@
                                     </p:set>
                                     <p:animEffect transition="in" filter="fade">
                                       <p:cBhvr>
-                                        <p:cTn id="18" dur="500"/>
+                                        <p:cTn id="12" dur="500"/>
                                         <p:tgtEl>
                                           <p:spTgt spid="7">
                                             <p:txEl>
@@ -13524,26 +13436,26 @@
                     </p:cTn>
                   </p:par>
                   <p:par>
-                    <p:cTn id="19" fill="hold">
+                    <p:cTn id="13" fill="hold">
                       <p:stCondLst>
                         <p:cond delay="indefinite"/>
                       </p:stCondLst>
                       <p:childTnLst>
                         <p:par>
-                          <p:cTn id="20" fill="hold">
+                          <p:cTn id="14" fill="hold">
                             <p:stCondLst>
                               <p:cond delay="0"/>
                             </p:stCondLst>
                             <p:childTnLst>
                               <p:par>
-                                <p:cTn id="21" presetID="10" presetClass="entr" presetSubtype="0" fill="hold" grpId="0" nodeType="clickEffect">
+                                <p:cTn id="15" presetID="10" presetClass="entr" presetSubtype="0" fill="hold" grpId="0" nodeType="clickEffect">
                                   <p:stCondLst>
                                     <p:cond delay="0"/>
                                   </p:stCondLst>
                                   <p:childTnLst>
                                     <p:set>
                                       <p:cBhvr>
-                                        <p:cTn id="22" dur="1" fill="hold">
+                                        <p:cTn id="16" dur="1" fill="hold">
                                           <p:stCondLst>
                                             <p:cond delay="0"/>
                                           </p:stCondLst>
@@ -13565,7 +13477,7 @@
                                     </p:set>
                                     <p:animEffect transition="in" filter="fade">
                                       <p:cBhvr>
-                                        <p:cTn id="23" dur="500"/>
+                                        <p:cTn id="17" dur="500"/>
                                         <p:tgtEl>
                                           <p:spTgt spid="7">
                                             <p:txEl>
@@ -13585,26 +13497,26 @@
                     </p:cTn>
                   </p:par>
                   <p:par>
-                    <p:cTn id="24" fill="hold">
+                    <p:cTn id="18" fill="hold">
                       <p:stCondLst>
                         <p:cond delay="indefinite"/>
                       </p:stCondLst>
                       <p:childTnLst>
                         <p:par>
-                          <p:cTn id="25" fill="hold">
+                          <p:cTn id="19" fill="hold">
                             <p:stCondLst>
                               <p:cond delay="0"/>
                             </p:stCondLst>
                             <p:childTnLst>
                               <p:par>
-                                <p:cTn id="26" presetID="10" presetClass="entr" presetSubtype="0" fill="hold" grpId="0" nodeType="clickEffect">
+                                <p:cTn id="20" presetID="10" presetClass="entr" presetSubtype="0" fill="hold" grpId="0" nodeType="clickEffect">
                                   <p:stCondLst>
                                     <p:cond delay="0"/>
                                   </p:stCondLst>
                                   <p:childTnLst>
                                     <p:set>
                                       <p:cBhvr>
-                                        <p:cTn id="27" dur="1" fill="hold">
+                                        <p:cTn id="21" dur="1" fill="hold">
                                           <p:stCondLst>
                                             <p:cond delay="0"/>
                                           </p:stCondLst>
@@ -13626,7 +13538,7 @@
                                     </p:set>
                                     <p:animEffect transition="in" filter="fade">
                                       <p:cBhvr>
-                                        <p:cTn id="28" dur="500"/>
+                                        <p:cTn id="22" dur="500"/>
                                         <p:tgtEl>
                                           <p:spTgt spid="7">
                                             <p:txEl>
@@ -13646,26 +13558,26 @@
                     </p:cTn>
                   </p:par>
                   <p:par>
-                    <p:cTn id="29" fill="hold">
+                    <p:cTn id="23" fill="hold">
                       <p:stCondLst>
                         <p:cond delay="indefinite"/>
                       </p:stCondLst>
                       <p:childTnLst>
                         <p:par>
-                          <p:cTn id="30" fill="hold">
+                          <p:cTn id="24" fill="hold">
                             <p:stCondLst>
                               <p:cond delay="0"/>
                             </p:stCondLst>
                             <p:childTnLst>
                               <p:par>
-                                <p:cTn id="31" presetID="10" presetClass="entr" presetSubtype="0" fill="hold" grpId="0" nodeType="clickEffect">
+                                <p:cTn id="25" presetID="10" presetClass="entr" presetSubtype="0" fill="hold" grpId="0" nodeType="clickEffect">
                                   <p:stCondLst>
                                     <p:cond delay="0"/>
                                   </p:stCondLst>
                                   <p:childTnLst>
                                     <p:set>
                                       <p:cBhvr>
-                                        <p:cTn id="32" dur="1" fill="hold">
+                                        <p:cTn id="26" dur="1" fill="hold">
                                           <p:stCondLst>
                                             <p:cond delay="0"/>
                                           </p:stCondLst>
@@ -13687,7 +13599,7 @@
                                     </p:set>
                                     <p:animEffect transition="in" filter="fade">
                                       <p:cBhvr>
-                                        <p:cTn id="33" dur="500"/>
+                                        <p:cTn id="27" dur="500"/>
                                         <p:tgtEl>
                                           <p:spTgt spid="7">
                                             <p:txEl>
@@ -13707,26 +13619,26 @@
                     </p:cTn>
                   </p:par>
                   <p:par>
-                    <p:cTn id="34" fill="hold">
+                    <p:cTn id="28" fill="hold">
                       <p:stCondLst>
                         <p:cond delay="indefinite"/>
                       </p:stCondLst>
                       <p:childTnLst>
                         <p:par>
-                          <p:cTn id="35" fill="hold">
+                          <p:cTn id="29" fill="hold">
                             <p:stCondLst>
                               <p:cond delay="0"/>
                             </p:stCondLst>
                             <p:childTnLst>
                               <p:par>
-                                <p:cTn id="36" presetID="1" presetClass="entr" presetSubtype="0" fill="hold" grpId="0" nodeType="clickEffect">
+                                <p:cTn id="30" presetID="1" presetClass="entr" presetSubtype="0" fill="hold" grpId="0" nodeType="clickEffect">
                                   <p:stCondLst>
                                     <p:cond delay="0"/>
                                   </p:stCondLst>
                                   <p:childTnLst>
                                     <p:set>
                                       <p:cBhvr>
-                                        <p:cTn id="37" dur="1" fill="hold">
+                                        <p:cTn id="31" dur="1" fill="hold">
                                           <p:stCondLst>
                                             <p:cond delay="0"/>
                                           </p:stCondLst>
@@ -13779,7 +13691,6 @@
     <p:bldLst>
       <p:bldP spid="7" grpId="0" build="p"/>
       <p:bldP spid="8" grpId="0" build="p"/>
-      <p:bldP spid="12" grpId="0"/>
     </p:bldLst>
   </p:timing>
 </p:sld>
